--- a/PPT/PyQt05-QtDesigner.pptx
+++ b/PPT/PyQt05-QtDesigner.pptx
@@ -4589,7 +4589,7 @@
             <a:fld id="{B4BFD808-6B56-4447-9401-2398D08EE3C0}" type="datetime1">
               <a:rPr lang="en-US" smtClean="0"/>
               <a:pPr/>
-              <a:t>11/26/2023</a:t>
+              <a:t>12/13/2023</a:t>
             </a:fld>
             <a:endParaRPr lang="en-US" dirty="0"/>
           </a:p>
@@ -5544,7 +5544,7 @@
             <a:fld id="{B4BFD808-6B56-4447-9401-2398D08EE3C0}" type="datetime1">
               <a:rPr lang="en-US" smtClean="0"/>
               <a:pPr/>
-              <a:t>11/26/2023</a:t>
+              <a:t>12/13/2023</a:t>
             </a:fld>
             <a:endParaRPr lang="en-US" dirty="0"/>
           </a:p>
@@ -6413,7 +6413,7 @@
             <a:fld id="{B4BFD808-6B56-4447-9401-2398D08EE3C0}" type="datetime1">
               <a:rPr lang="en-US" smtClean="0"/>
               <a:pPr/>
-              <a:t>11/26/2023</a:t>
+              <a:t>12/13/2023</a:t>
             </a:fld>
             <a:endParaRPr lang="en-US" dirty="0"/>
           </a:p>
@@ -7062,7 +7062,7 @@
               <a:t>Permet d’avoir </a:t>
             </a:r>
             <a:r>
-              <a:rPr lang="fr-FR"/>
+              <a:rPr lang="fr-FR" dirty="0" err="1"/>
               <a:t>l’intellisense</a:t>
             </a:r>
             <a:endParaRPr lang="fr-FR" dirty="0"/>
@@ -7087,6 +7087,17 @@
               <a:rPr lang="fr-FR" dirty="0"/>
               <a:t> -o MainWindow.py</a:t>
             </a:r>
+          </a:p>
+          <a:p>
+            <a:r>
+              <a:rPr lang="fr-FR" dirty="0"/>
+              <a:t>Python –</a:t>
+            </a:r>
+            <a:r>
+              <a:rPr lang="fr-FR"/>
+              <a:t>m pyuic6 …</a:t>
+            </a:r>
+            <a:endParaRPr lang="fr-FR" dirty="0"/>
           </a:p>
           <a:p>
             <a:pPr lvl="1"/>

--- a/PPT/PyQt05-QtDesigner.pptx
+++ b/PPT/PyQt05-QtDesigner.pptx
@@ -14,12 +14,12 @@
     <p:sldId id="264" r:id="rId2"/>
     <p:sldId id="265" r:id="rId3"/>
     <p:sldId id="258" r:id="rId4"/>
-    <p:sldId id="259" r:id="rId5"/>
-    <p:sldId id="260" r:id="rId6"/>
-    <p:sldId id="262" r:id="rId7"/>
-    <p:sldId id="267" r:id="rId8"/>
-    <p:sldId id="268" r:id="rId9"/>
-    <p:sldId id="269" r:id="rId10"/>
+    <p:sldId id="267" r:id="rId5"/>
+    <p:sldId id="270" r:id="rId6"/>
+    <p:sldId id="268" r:id="rId7"/>
+    <p:sldId id="269" r:id="rId8"/>
+    <p:sldId id="260" r:id="rId9"/>
+    <p:sldId id="262" r:id="rId10"/>
   </p:sldIdLst>
   <p:sldSz cx="9144000" cy="6858000" type="screen4x3"/>
   <p:notesSz cx="6648450" cy="9782175"/>
@@ -988,6 +988,10 @@
             <a:br>
               <a:rPr lang="en-US" baseline="0" dirty="0"/>
             </a:br>
+            <a:r>
+              <a:rPr lang="en-US" baseline="0" dirty="0"/>
+              <a:t/>
+            </a:r>
             <a:br>
               <a:rPr lang="en-US" baseline="0" dirty="0"/>
             </a:br>
@@ -1092,12 +1096,149 @@
           <a:lstStyle/>
           <a:p>
             <a:r>
-              <a:rPr lang="en-US" dirty="0"/>
-              <a:t>First steps for</a:t>
-            </a:r>
-            <a:r>
-              <a:rPr lang="en-US" baseline="0" dirty="0"/>
-              <a:t> using the designer</a:t>
+              <a:rPr lang="en-GB" dirty="0"/>
+              <a:t>1) The name of the class is the name of the </a:t>
+            </a:r>
+            <a:r>
+              <a:rPr lang="en-GB" dirty="0" err="1"/>
+              <a:t>toplevel</a:t>
+            </a:r>
+            <a:r>
+              <a:rPr lang="en-GB" dirty="0"/>
+              <a:t> object set in Designer with </a:t>
+            </a:r>
+            <a:r>
+              <a:rPr lang="en-GB" dirty="0" err="1"/>
+              <a:t>Ui</a:t>
+            </a:r>
+            <a:r>
+              <a:rPr lang="en-GB" dirty="0"/>
+              <a:t>_ prepended.</a:t>
+            </a:r>
+          </a:p>
+          <a:p>
+            <a:r>
+              <a:rPr lang="en-GB" dirty="0"/>
+              <a:t>2)</a:t>
+            </a:r>
+            <a:r>
+              <a:rPr lang="en-GB" baseline="0" dirty="0"/>
+              <a:t> </a:t>
+            </a:r>
+            <a:r>
+              <a:rPr lang="en-GB" dirty="0"/>
+              <a:t>This takes a single argument which is the widget in which the user interface is created. </a:t>
+            </a:r>
+          </a:p>
+          <a:p>
+            <a:r>
+              <a:rPr lang="en-GB" dirty="0"/>
+              <a:t>---The type of this argument (typically </a:t>
+            </a:r>
+            <a:r>
+              <a:rPr lang="en-GB" dirty="0" err="1"/>
+              <a:t>QDialog</a:t>
+            </a:r>
+            <a:r>
+              <a:rPr lang="en-GB" dirty="0"/>
+              <a:t>, </a:t>
+            </a:r>
+            <a:r>
+              <a:rPr lang="en-GB" dirty="0" err="1"/>
+              <a:t>QWidget</a:t>
+            </a:r>
+            <a:r>
+              <a:rPr lang="en-GB" dirty="0"/>
+              <a:t> or </a:t>
+            </a:r>
+            <a:r>
+              <a:rPr lang="en-GB" dirty="0" err="1"/>
+              <a:t>QMainWindow</a:t>
+            </a:r>
+            <a:r>
+              <a:rPr lang="en-GB" dirty="0"/>
+              <a:t>) is set in Designer. </a:t>
+            </a:r>
+            <a:r>
+              <a:rPr lang="en-GB" baseline="0" dirty="0"/>
+              <a:t> </a:t>
+            </a:r>
+            <a:r>
+              <a:rPr lang="en-GB" dirty="0"/>
+              <a:t>We refer to this type as the </a:t>
+            </a:r>
+            <a:r>
+              <a:rPr lang="en-GB" dirty="0" err="1"/>
+              <a:t>Qt</a:t>
+            </a:r>
+            <a:r>
+              <a:rPr lang="en-GB" dirty="0"/>
+              <a:t> base class.</a:t>
+            </a:r>
+            <a:br>
+              <a:rPr lang="en-GB" dirty="0"/>
+            </a:br>
+            <a:r>
+              <a:rPr lang="en-GB" dirty="0"/>
+              <a:t/>
+            </a:r>
+            <a:br>
+              <a:rPr lang="en-GB" dirty="0"/>
+            </a:br>
+            <a:r>
+              <a:rPr lang="en-GB" dirty="0" err="1"/>
+              <a:t>Qt</a:t>
+            </a:r>
+            <a:r>
+              <a:rPr lang="en-GB" dirty="0"/>
+              <a:t> uses</a:t>
+            </a:r>
+            <a:r>
+              <a:rPr lang="en-GB" baseline="0" dirty="0"/>
+              <a:t> a tree structure for memory management (A “</a:t>
+            </a:r>
+            <a:r>
+              <a:rPr lang="en-GB" baseline="0" dirty="0" err="1"/>
+              <a:t>Ui</a:t>
+            </a:r>
+            <a:r>
+              <a:rPr lang="en-GB" baseline="0" dirty="0"/>
+              <a:t> Form” is this tree)</a:t>
+            </a:r>
+            <a:br>
+              <a:rPr lang="en-GB" baseline="0" dirty="0"/>
+            </a:br>
+            <a:r>
+              <a:rPr lang="en-GB" baseline="0" dirty="0"/>
+              <a:t/>
+            </a:r>
+            <a:br>
+              <a:rPr lang="en-GB" baseline="0" dirty="0"/>
+            </a:br>
+            <a:r>
+              <a:rPr lang="en-GB" baseline="0" dirty="0"/>
+              <a:t>3)Never edit this </a:t>
+            </a:r>
+            <a:r>
+              <a:rPr lang="en-GB" baseline="0" dirty="0" err="1"/>
+              <a:t>flie</a:t>
+            </a:r>
+            <a:r>
+              <a:rPr lang="en-GB" baseline="0" dirty="0"/>
+              <a:t/>
+            </a:r>
+            <a:br>
+              <a:rPr lang="en-GB" baseline="0" dirty="0"/>
+            </a:br>
+            <a:r>
+              <a:rPr lang="en-GB" baseline="0" dirty="0"/>
+              <a:t>--Change something in the design </a:t>
+            </a:r>
+            <a:r>
+              <a:rPr lang="en-GB" baseline="0" dirty="0">
+                <a:sym typeface="Wingdings" panose="05000000000000000000" pitchFamily="2" charset="2"/>
+              </a:rPr>
+              <a:t> delete and regenerate this file</a:t>
             </a:r>
             <a:endParaRPr lang="en-GB" dirty="0"/>
           </a:p>
@@ -1120,7 +1261,7 @@
           <a:p>
             <a:fld id="{9B997525-0F2B-4C8D-8374-AAB8E7790F7C}" type="slidenum">
               <a:rPr lang="en-GB" smtClean="0"/>
-              <a:t>4</a:t>
+              <a:t>8</a:t>
             </a:fld>
             <a:endParaRPr lang="en-GB"/>
           </a:p>
@@ -1129,7 +1270,7 @@
     </p:spTree>
     <p:extLst>
       <p:ext uri="{BB962C8B-B14F-4D97-AF65-F5344CB8AC3E}">
-        <p14:creationId xmlns:p14="http://schemas.microsoft.com/office/powerpoint/2010/main" val="126422127"/>
+        <p14:creationId xmlns:p14="http://schemas.microsoft.com/office/powerpoint/2010/main" val="277008549"/>
       </p:ext>
     </p:extLst>
   </p:cSld>
@@ -1190,51 +1331,7 @@
           <a:p>
             <a:r>
               <a:rPr lang="en-GB" dirty="0"/>
-              <a:t>1) The name of the class is the name of the </a:t>
-            </a:r>
-            <a:r>
-              <a:rPr lang="en-GB" dirty="0" err="1"/>
-              <a:t>toplevel</a:t>
-            </a:r>
-            <a:r>
-              <a:rPr lang="en-GB" dirty="0"/>
-              <a:t> object set in Designer with </a:t>
-            </a:r>
-            <a:r>
-              <a:rPr lang="en-GB" dirty="0" err="1"/>
-              <a:t>Ui</a:t>
-            </a:r>
-            <a:r>
-              <a:rPr lang="en-GB" dirty="0"/>
-              <a:t>_ prepended.</a:t>
-            </a:r>
-          </a:p>
-          <a:p>
-            <a:r>
-              <a:rPr lang="en-GB" dirty="0"/>
-              <a:t>2)</a:t>
-            </a:r>
-            <a:r>
-              <a:rPr lang="en-GB" baseline="0" dirty="0"/>
-              <a:t> </a:t>
-            </a:r>
-            <a:r>
-              <a:rPr lang="en-GB" dirty="0"/>
-              <a:t>This takes a single argument which is the widget in which the user interface is created. </a:t>
-            </a:r>
-          </a:p>
-          <a:p>
-            <a:r>
-              <a:rPr lang="en-GB" dirty="0"/>
-              <a:t>---The type of this argument (typically </a:t>
-            </a:r>
-            <a:r>
-              <a:rPr lang="en-GB" dirty="0" err="1"/>
-              <a:t>QDialog</a:t>
-            </a:r>
-            <a:r>
-              <a:rPr lang="en-GB" dirty="0"/>
-              <a:t>, </a:t>
+              <a:t>simple use of inheritance to provide a </a:t>
             </a:r>
             <a:r>
               <a:rPr lang="en-GB" dirty="0" err="1"/>
@@ -1242,86 +1339,33 @@
             </a:r>
             <a:r>
               <a:rPr lang="en-GB" dirty="0"/>
-              <a:t> or </a:t>
-            </a:r>
-            <a:r>
-              <a:rPr lang="en-GB" dirty="0" err="1"/>
-              <a:t>QMainWindow</a:t>
-            </a:r>
+              <a:t>-based interface</a:t>
+            </a:r>
+          </a:p>
+          <a:p>
+            <a:r>
+              <a:rPr lang="en-US" dirty="0"/>
+              <a:t>-</a:t>
+            </a:r>
+          </a:p>
+          <a:p>
+            <a:r>
+              <a:rPr lang="en-US" dirty="0"/>
+              <a:t>-</a:t>
+            </a:r>
+            <a:endParaRPr lang="en-GB" dirty="0"/>
+          </a:p>
+          <a:p>
             <a:r>
               <a:rPr lang="en-GB" dirty="0"/>
-              <a:t>) is set in Designer. </a:t>
-            </a:r>
-            <a:r>
-              <a:rPr lang="en-GB" baseline="0" dirty="0"/>
-              <a:t> </a:t>
-            </a:r>
+              <a:t> We can use this method to define a number of UIs within the same widget and overlay them. </a:t>
+            </a:r>
+          </a:p>
+          <a:p>
             <a:r>
               <a:rPr lang="en-GB" dirty="0"/>
-              <a:t>We refer to this type as the </a:t>
-            </a:r>
-            <a:r>
-              <a:rPr lang="en-GB" dirty="0" err="1"/>
-              <a:t>Qt</a:t>
-            </a:r>
-            <a:r>
-              <a:rPr lang="en-GB" dirty="0"/>
-              <a:t> base class.</a:t>
-            </a:r>
-            <a:br>
-              <a:rPr lang="en-GB" dirty="0"/>
-            </a:br>
-            <a:br>
-              <a:rPr lang="en-GB" dirty="0"/>
-            </a:br>
-            <a:r>
-              <a:rPr lang="en-GB" dirty="0" err="1"/>
-              <a:t>Qt</a:t>
-            </a:r>
-            <a:r>
-              <a:rPr lang="en-GB" dirty="0"/>
-              <a:t> uses</a:t>
-            </a:r>
-            <a:r>
-              <a:rPr lang="en-GB" baseline="0" dirty="0"/>
-              <a:t> a tree structure for memory management (A “</a:t>
-            </a:r>
-            <a:r>
-              <a:rPr lang="en-GB" baseline="0" dirty="0" err="1"/>
-              <a:t>Ui</a:t>
-            </a:r>
-            <a:r>
-              <a:rPr lang="en-GB" baseline="0" dirty="0"/>
-              <a:t> Form” is this tree)</a:t>
-            </a:r>
-            <a:br>
-              <a:rPr lang="en-GB" baseline="0" dirty="0"/>
-            </a:br>
-            <a:br>
-              <a:rPr lang="en-GB" baseline="0" dirty="0"/>
-            </a:br>
-            <a:r>
-              <a:rPr lang="en-GB" baseline="0" dirty="0"/>
-              <a:t>3)Never edit this </a:t>
-            </a:r>
-            <a:r>
-              <a:rPr lang="en-GB" baseline="0" dirty="0" err="1"/>
-              <a:t>flie</a:t>
-            </a:r>
-            <a:br>
-              <a:rPr lang="en-GB" baseline="0" dirty="0"/>
-            </a:br>
-            <a:r>
-              <a:rPr lang="en-GB" baseline="0" dirty="0"/>
-              <a:t>--Change something in the design </a:t>
-            </a:r>
-            <a:r>
-              <a:rPr lang="en-GB" baseline="0" dirty="0">
-                <a:sym typeface="Wingdings" panose="05000000000000000000" pitchFamily="2" charset="2"/>
-              </a:rPr>
-              <a:t> delete and regenerate this file</a:t>
-            </a:r>
-            <a:endParaRPr lang="en-GB" dirty="0"/>
+              <a:t>(This approach can be used to create individual tabs from existing forms, for example.)</a:t>
+            </a:r>
           </a:p>
         </p:txBody>
       </p:sp>
@@ -1342,132 +1386,7 @@
           <a:p>
             <a:fld id="{9B997525-0F2B-4C8D-8374-AAB8E7790F7C}" type="slidenum">
               <a:rPr lang="en-GB" smtClean="0"/>
-              <a:t>5</a:t>
-            </a:fld>
-            <a:endParaRPr lang="en-GB"/>
-          </a:p>
-        </p:txBody>
-      </p:sp>
-    </p:spTree>
-    <p:extLst>
-      <p:ext uri="{BB962C8B-B14F-4D97-AF65-F5344CB8AC3E}">
-        <p14:creationId xmlns:p14="http://schemas.microsoft.com/office/powerpoint/2010/main" val="277008549"/>
-      </p:ext>
-    </p:extLst>
-  </p:cSld>
-  <p:clrMapOvr>
-    <a:masterClrMapping/>
-  </p:clrMapOvr>
-</p:notes>
-</file>
-
-<file path=ppt/notesSlides/notesSlide4.xml><?xml version="1.0" encoding="utf-8"?>
-<p:notes xmlns:a="http://schemas.openxmlformats.org/drawingml/2006/main" xmlns:r="http://schemas.openxmlformats.org/officeDocument/2006/relationships" xmlns:p="http://schemas.openxmlformats.org/presentationml/2006/main">
-  <p:cSld>
-    <p:spTree>
-      <p:nvGrpSpPr>
-        <p:cNvPr id="1" name=""/>
-        <p:cNvGrpSpPr/>
-        <p:nvPr/>
-      </p:nvGrpSpPr>
-      <p:grpSpPr>
-        <a:xfrm>
-          <a:off x="0" y="0"/>
-          <a:ext cx="0" cy="0"/>
-          <a:chOff x="0" y="0"/>
-          <a:chExt cx="0" cy="0"/>
-        </a:xfrm>
-      </p:grpSpPr>
-      <p:sp>
-        <p:nvSpPr>
-          <p:cNvPr id="2" name="Slide Image Placeholder 1"/>
-          <p:cNvSpPr>
-            <a:spLocks noGrp="1" noRot="1" noChangeAspect="1"/>
-          </p:cNvSpPr>
-          <p:nvPr>
-            <p:ph type="sldImg"/>
-          </p:nvPr>
-        </p:nvSpPr>
-        <p:spPr>
-          <a:xfrm>
-            <a:off x="877888" y="733425"/>
-            <a:ext cx="4892675" cy="3670300"/>
-          </a:xfrm>
-        </p:spPr>
-      </p:sp>
-      <p:sp>
-        <p:nvSpPr>
-          <p:cNvPr id="3" name="Notes Placeholder 2"/>
-          <p:cNvSpPr>
-            <a:spLocks noGrp="1"/>
-          </p:cNvSpPr>
-          <p:nvPr>
-            <p:ph type="body" idx="1"/>
-          </p:nvPr>
-        </p:nvSpPr>
-        <p:spPr/>
-        <p:txBody>
-          <a:bodyPr/>
-          <a:lstStyle/>
-          <a:p>
-            <a:r>
-              <a:rPr lang="en-GB" dirty="0"/>
-              <a:t>simple use of inheritance to provide a </a:t>
-            </a:r>
-            <a:r>
-              <a:rPr lang="en-GB" dirty="0" err="1"/>
-              <a:t>QWidget</a:t>
-            </a:r>
-            <a:r>
-              <a:rPr lang="en-GB" dirty="0"/>
-              <a:t>-based interface</a:t>
-            </a:r>
-          </a:p>
-          <a:p>
-            <a:r>
-              <a:rPr lang="en-US" dirty="0"/>
-              <a:t>-</a:t>
-            </a:r>
-          </a:p>
-          <a:p>
-            <a:r>
-              <a:rPr lang="en-US" dirty="0"/>
-              <a:t>-</a:t>
-            </a:r>
-            <a:endParaRPr lang="en-GB" dirty="0"/>
-          </a:p>
-          <a:p>
-            <a:r>
-              <a:rPr lang="en-GB" dirty="0"/>
-              <a:t> We can use this method to define a number of UIs within the same widget and overlay them. </a:t>
-            </a:r>
-          </a:p>
-          <a:p>
-            <a:r>
-              <a:rPr lang="en-GB" dirty="0"/>
-              <a:t>(This approach can be used to create individual tabs from existing forms, for example.)</a:t>
-            </a:r>
-          </a:p>
-        </p:txBody>
-      </p:sp>
-      <p:sp>
-        <p:nvSpPr>
-          <p:cNvPr id="4" name="Slide Number Placeholder 3"/>
-          <p:cNvSpPr>
-            <a:spLocks noGrp="1"/>
-          </p:cNvSpPr>
-          <p:nvPr>
-            <p:ph type="sldNum" sz="quarter" idx="10"/>
-          </p:nvPr>
-        </p:nvSpPr>
-        <p:spPr/>
-        <p:txBody>
-          <a:bodyPr/>
-          <a:lstStyle/>
-          <a:p>
-            <a:fld id="{9B997525-0F2B-4C8D-8374-AAB8E7790F7C}" type="slidenum">
-              <a:rPr lang="en-GB" smtClean="0"/>
-              <a:t>6</a:t>
+              <a:t>9</a:t>
             </a:fld>
             <a:endParaRPr lang="en-GB"/>
           </a:p>
@@ -4340,6 +4259,13 @@
   <p:clrMapOvr>
     <a:masterClrMapping/>
   </p:clrMapOvr>
+  <p:timing>
+    <p:tnLst>
+      <p:par>
+        <p:cTn id="1" dur="indefinite" restart="never" nodeType="tmRoot"/>
+      </p:par>
+    </p:tnLst>
+  </p:timing>
 </p:sld>
 </file>
 
@@ -4447,6 +4373,13 @@
   <p:clrMapOvr>
     <a:masterClrMapping/>
   </p:clrMapOvr>
+  <p:timing>
+    <p:tnLst>
+      <p:par>
+        <p:cTn id="1" dur="indefinite" restart="never" nodeType="tmRoot"/>
+      </p:par>
+    </p:tnLst>
+  </p:timing>
 </p:sld>
 </file>
 
@@ -4589,7 +4522,7 @@
             <a:fld id="{B4BFD808-6B56-4447-9401-2398D08EE3C0}" type="datetime1">
               <a:rPr lang="en-US" smtClean="0"/>
               <a:pPr/>
-              <a:t>12/13/2023</a:t>
+              <a:t>6/19/2024</a:t>
             </a:fld>
             <a:endParaRPr lang="en-US" dirty="0"/>
           </a:p>
@@ -4906,6 +4839,10 @@
             <a:br>
               <a:rPr lang="en-GB" dirty="0"/>
             </a:br>
+            <a:r>
+              <a:rPr lang="en-GB" dirty="0"/>
+              <a:t/>
+            </a:r>
             <a:br>
               <a:rPr lang="en-GB" dirty="0"/>
             </a:br>
@@ -5128,6 +5065,13 @@
   <p:clrMapOvr>
     <a:masterClrMapping/>
   </p:clrMapOvr>
+  <p:timing>
+    <p:tnLst>
+      <p:par>
+        <p:cTn id="1" dur="indefinite" restart="never" nodeType="tmRoot"/>
+      </p:par>
+    </p:tnLst>
+  </p:timing>
 </p:sld>
 </file>
 
@@ -5150,7 +5094,13 @@
       </p:grpSpPr>
       <p:sp>
         <p:nvSpPr>
-          <p:cNvPr id="2" name="Title 1"/>
+          <p:cNvPr id="2" name="Titre 1">
+            <a:extLst>
+              <a:ext uri="{FF2B5EF4-FFF2-40B4-BE49-F238E27FC236}">
+                <a16:creationId xmlns:a16="http://schemas.microsoft.com/office/drawing/2014/main" id="{81902015-E84A-2CB3-8603-BBDCD520FF84}"/>
+              </a:ext>
+            </a:extLst>
+          </p:cNvPr>
           <p:cNvSpPr>
             <a:spLocks noGrp="1"/>
           </p:cNvSpPr>
@@ -5164,24 +5114,407 @@
           <a:lstStyle/>
           <a:p>
             <a:r>
-              <a:rPr lang="en-US" dirty="0"/>
-              <a:t>Using the </a:t>
-            </a:r>
-            <a:r>
-              <a:rPr lang="en-US" dirty="0" err="1"/>
-              <a:t>Qt</a:t>
-            </a:r>
-            <a:r>
-              <a:rPr lang="en-US" dirty="0"/>
-              <a:t> Designer</a:t>
-            </a:r>
-            <a:endParaRPr lang="en-GB" dirty="0"/>
+              <a:rPr lang="fr-FR" dirty="0" err="1"/>
+              <a:t>GridLayout</a:t>
+            </a:r>
+            <a:endParaRPr lang="fr-FR" dirty="0"/>
           </a:p>
         </p:txBody>
       </p:sp>
       <p:sp>
         <p:nvSpPr>
-          <p:cNvPr id="7" name="Content Placeholder 6"/>
+          <p:cNvPr id="3" name="Espace réservé du contenu 2">
+            <a:extLst>
+              <a:ext uri="{FF2B5EF4-FFF2-40B4-BE49-F238E27FC236}">
+                <a16:creationId xmlns:a16="http://schemas.microsoft.com/office/drawing/2014/main" id="{9AB29266-E7D5-5D98-B826-5DB786DDC153}"/>
+              </a:ext>
+            </a:extLst>
+          </p:cNvPr>
+          <p:cNvSpPr>
+            <a:spLocks noGrp="1"/>
+          </p:cNvSpPr>
+          <p:nvPr>
+            <p:ph idx="1"/>
+          </p:nvPr>
+        </p:nvSpPr>
+        <p:spPr/>
+        <p:txBody>
+          <a:bodyPr/>
+          <a:lstStyle/>
+          <a:p>
+            <a:r>
+              <a:rPr lang="fr-FR" dirty="0"/>
+              <a:t>Le </a:t>
+            </a:r>
+            <a:r>
+              <a:rPr lang="fr-FR" dirty="0" err="1"/>
+              <a:t>Layout</a:t>
+            </a:r>
+            <a:r>
+              <a:rPr lang="fr-FR" dirty="0"/>
+              <a:t> en grille sont les plus pratiques</a:t>
+            </a:r>
+          </a:p>
+          <a:p>
+            <a:r>
+              <a:rPr lang="fr-FR" dirty="0"/>
+              <a:t>Utilisation de </a:t>
+            </a:r>
+            <a:r>
+              <a:rPr lang="fr-FR" dirty="0" err="1"/>
+              <a:t>QtDesigner</a:t>
+            </a:r>
+            <a:r>
+              <a:rPr lang="fr-FR" dirty="0"/>
+              <a:t> quasi-obligatoire</a:t>
+            </a:r>
+          </a:p>
+        </p:txBody>
+      </p:sp>
+    </p:spTree>
+    <p:extLst>
+      <p:ext uri="{BB962C8B-B14F-4D97-AF65-F5344CB8AC3E}">
+        <p14:creationId xmlns:p14="http://schemas.microsoft.com/office/powerpoint/2010/main" val="505671278"/>
+      </p:ext>
+    </p:extLst>
+  </p:cSld>
+  <p:clrMapOvr>
+    <a:masterClrMapping/>
+  </p:clrMapOvr>
+  <p:timing>
+    <p:tnLst>
+      <p:par>
+        <p:cTn id="1" dur="indefinite" restart="never" nodeType="tmRoot"/>
+      </p:par>
+    </p:tnLst>
+  </p:timing>
+</p:sld>
+</file>
+
+<file path=ppt/slides/slide5.xml><?xml version="1.0" encoding="utf-8"?>
+<p:sld xmlns:a="http://schemas.openxmlformats.org/drawingml/2006/main" xmlns:r="http://schemas.openxmlformats.org/officeDocument/2006/relationships" xmlns:p="http://schemas.openxmlformats.org/presentationml/2006/main">
+  <p:cSld>
+    <p:spTree>
+      <p:nvGrpSpPr>
+        <p:cNvPr id="1" name=""/>
+        <p:cNvGrpSpPr/>
+        <p:nvPr/>
+      </p:nvGrpSpPr>
+      <p:grpSpPr>
+        <a:xfrm>
+          <a:off x="0" y="0"/>
+          <a:ext cx="0" cy="0"/>
+          <a:chOff x="0" y="0"/>
+          <a:chExt cx="0" cy="0"/>
+        </a:xfrm>
+      </p:grpSpPr>
+      <p:sp>
+        <p:nvSpPr>
+          <p:cNvPr id="2" name="Titre 1"/>
+          <p:cNvSpPr>
+            <a:spLocks noGrp="1"/>
+          </p:cNvSpPr>
+          <p:nvPr>
+            <p:ph type="title"/>
+          </p:nvPr>
+        </p:nvSpPr>
+        <p:spPr/>
+        <p:txBody>
+          <a:bodyPr/>
+          <a:lstStyle/>
+          <a:p>
+            <a:r>
+              <a:rPr lang="fr-FR" dirty="0" smtClean="0"/>
+              <a:t>UI</a:t>
+            </a:r>
+            <a:endParaRPr lang="fr-FR" dirty="0"/>
+          </a:p>
+        </p:txBody>
+      </p:sp>
+      <p:sp>
+        <p:nvSpPr>
+          <p:cNvPr id="3" name="Espace réservé du contenu 2"/>
+          <p:cNvSpPr>
+            <a:spLocks noGrp="1"/>
+          </p:cNvSpPr>
+          <p:nvPr>
+            <p:ph idx="1"/>
+          </p:nvPr>
+        </p:nvSpPr>
+        <p:spPr/>
+        <p:txBody>
+          <a:bodyPr/>
+          <a:lstStyle/>
+          <a:p>
+            <a:r>
+              <a:rPr lang="fr-FR" dirty="0" smtClean="0"/>
+              <a:t>Sauvegarder le .</a:t>
+            </a:r>
+            <a:r>
+              <a:rPr lang="fr-FR" dirty="0" err="1" smtClean="0"/>
+              <a:t>ui</a:t>
+            </a:r>
+            <a:r>
+              <a:rPr lang="fr-FR" dirty="0" smtClean="0"/>
+              <a:t> dans le répertoire </a:t>
+            </a:r>
+            <a:r>
+              <a:rPr lang="fr-FR" dirty="0" err="1" smtClean="0"/>
+              <a:t>ui</a:t>
+            </a:r>
+            <a:endParaRPr lang="fr-FR" dirty="0" smtClean="0"/>
+          </a:p>
+          <a:p>
+            <a:r>
+              <a:rPr lang="fr-FR" dirty="0" smtClean="0"/>
+              <a:t>Chargement de l’UI</a:t>
+            </a:r>
+          </a:p>
+          <a:p>
+            <a:r>
+              <a:rPr lang="fr-FR" dirty="0" err="1"/>
+              <a:t>uic.loadUi</a:t>
+            </a:r>
+            <a:r>
+              <a:rPr lang="fr-FR" dirty="0"/>
+              <a:t>('</a:t>
+            </a:r>
+            <a:r>
+              <a:rPr lang="fr-FR" dirty="0" err="1"/>
+              <a:t>ui</a:t>
+            </a:r>
+            <a:r>
+              <a:rPr lang="fr-FR" dirty="0"/>
+              <a:t>/</a:t>
+            </a:r>
+            <a:r>
+              <a:rPr lang="fr-FR" dirty="0" err="1"/>
+              <a:t>main.ui</a:t>
+            </a:r>
+            <a:r>
+              <a:rPr lang="fr-FR" dirty="0"/>
+              <a:t>', self</a:t>
+            </a:r>
+            <a:r>
+              <a:rPr lang="fr-FR" dirty="0" smtClean="0"/>
+              <a:t>)</a:t>
+            </a:r>
+          </a:p>
+          <a:p>
+            <a:pPr lvl="1"/>
+            <a:r>
+              <a:rPr lang="fr-FR" dirty="0" smtClean="0"/>
+              <a:t>Perte de </a:t>
+            </a:r>
+            <a:r>
+              <a:rPr lang="fr-FR" smtClean="0"/>
+              <a:t>l’intellisense</a:t>
+            </a:r>
+            <a:endParaRPr lang="fr-FR"/>
+          </a:p>
+        </p:txBody>
+      </p:sp>
+    </p:spTree>
+    <p:extLst>
+      <p:ext uri="{BB962C8B-B14F-4D97-AF65-F5344CB8AC3E}">
+        <p14:creationId xmlns:p14="http://schemas.microsoft.com/office/powerpoint/2010/main" val="1584414054"/>
+      </p:ext>
+    </p:extLst>
+  </p:cSld>
+  <p:clrMapOvr>
+    <a:masterClrMapping/>
+  </p:clrMapOvr>
+</p:sld>
+</file>
+
+<file path=ppt/slides/slide6.xml><?xml version="1.0" encoding="utf-8"?>
+<p:sld xmlns:a="http://schemas.openxmlformats.org/drawingml/2006/main" xmlns:r="http://schemas.openxmlformats.org/officeDocument/2006/relationships" xmlns:p="http://schemas.openxmlformats.org/presentationml/2006/main">
+  <p:cSld>
+    <p:spTree>
+      <p:nvGrpSpPr>
+        <p:cNvPr id="1" name=""/>
+        <p:cNvGrpSpPr/>
+        <p:nvPr/>
+      </p:nvGrpSpPr>
+      <p:grpSpPr>
+        <a:xfrm>
+          <a:off x="0" y="0"/>
+          <a:ext cx="0" cy="0"/>
+          <a:chOff x="0" y="0"/>
+          <a:chExt cx="0" cy="0"/>
+        </a:xfrm>
+      </p:grpSpPr>
+      <p:sp>
+        <p:nvSpPr>
+          <p:cNvPr id="2" name="Titre 1">
+            <a:extLst>
+              <a:ext uri="{FF2B5EF4-FFF2-40B4-BE49-F238E27FC236}">
+                <a16:creationId xmlns:a16="http://schemas.microsoft.com/office/drawing/2014/main" id="{30767395-6CF6-D723-826A-FDC6160E6A18}"/>
+              </a:ext>
+            </a:extLst>
+          </p:cNvPr>
+          <p:cNvSpPr>
+            <a:spLocks noGrp="1"/>
+          </p:cNvSpPr>
+          <p:nvPr>
+            <p:ph type="title"/>
+          </p:nvPr>
+        </p:nvSpPr>
+        <p:spPr/>
+        <p:txBody>
+          <a:bodyPr/>
+          <a:lstStyle/>
+          <a:p>
+            <a:r>
+              <a:rPr lang="fr-FR" dirty="0"/>
+              <a:t>Menu &amp; </a:t>
+            </a:r>
+            <a:r>
+              <a:rPr lang="fr-FR" dirty="0" err="1"/>
+              <a:t>Toolsbar</a:t>
+            </a:r>
+            <a:endParaRPr lang="fr-FR" dirty="0"/>
+          </a:p>
+        </p:txBody>
+      </p:sp>
+      <p:sp>
+        <p:nvSpPr>
+          <p:cNvPr id="3" name="Espace réservé du contenu 2">
+            <a:extLst>
+              <a:ext uri="{FF2B5EF4-FFF2-40B4-BE49-F238E27FC236}">
+                <a16:creationId xmlns:a16="http://schemas.microsoft.com/office/drawing/2014/main" id="{B3B7949A-C8D0-3E51-099F-1DE3918945E3}"/>
+              </a:ext>
+            </a:extLst>
+          </p:cNvPr>
+          <p:cNvSpPr>
+            <a:spLocks noGrp="1"/>
+          </p:cNvSpPr>
+          <p:nvPr>
+            <p:ph idx="1"/>
+          </p:nvPr>
+        </p:nvSpPr>
+        <p:spPr/>
+        <p:txBody>
+          <a:bodyPr/>
+          <a:lstStyle/>
+          <a:p>
+            <a:r>
+              <a:rPr lang="fr-FR" dirty="0"/>
+              <a:t>Widgets containers</a:t>
+            </a:r>
+          </a:p>
+          <a:p>
+            <a:r>
+              <a:rPr lang="fr-FR" dirty="0"/>
+              <a:t>S’utilise comme les autres widgets</a:t>
+            </a:r>
+          </a:p>
+        </p:txBody>
+      </p:sp>
+      <p:pic>
+        <p:nvPicPr>
+          <p:cNvPr id="5" name="Image 4">
+            <a:extLst>
+              <a:ext uri="{FF2B5EF4-FFF2-40B4-BE49-F238E27FC236}">
+                <a16:creationId xmlns:a16="http://schemas.microsoft.com/office/drawing/2014/main" id="{92629004-1301-F75C-577C-606A2865E4B7}"/>
+              </a:ext>
+            </a:extLst>
+          </p:cNvPr>
+          <p:cNvPicPr>
+            <a:picLocks noChangeAspect="1"/>
+          </p:cNvPicPr>
+          <p:nvPr/>
+        </p:nvPicPr>
+        <p:blipFill>
+          <a:blip r:embed="rId2"/>
+          <a:stretch>
+            <a:fillRect/>
+          </a:stretch>
+        </p:blipFill>
+        <p:spPr>
+          <a:xfrm>
+            <a:off x="971600" y="2780928"/>
+            <a:ext cx="6866215" cy="3375953"/>
+          </a:xfrm>
+          <a:prstGeom prst="rect">
+            <a:avLst/>
+          </a:prstGeom>
+        </p:spPr>
+      </p:pic>
+    </p:spTree>
+    <p:extLst>
+      <p:ext uri="{BB962C8B-B14F-4D97-AF65-F5344CB8AC3E}">
+        <p14:creationId xmlns:p14="http://schemas.microsoft.com/office/powerpoint/2010/main" val="2184417789"/>
+      </p:ext>
+    </p:extLst>
+  </p:cSld>
+  <p:clrMapOvr>
+    <a:masterClrMapping/>
+  </p:clrMapOvr>
+  <p:timing>
+    <p:tnLst>
+      <p:par>
+        <p:cTn id="1" dur="indefinite" restart="never" nodeType="tmRoot"/>
+      </p:par>
+    </p:tnLst>
+  </p:timing>
+</p:sld>
+</file>
+
+<file path=ppt/slides/slide7.xml><?xml version="1.0" encoding="utf-8"?>
+<p:sld xmlns:a="http://schemas.openxmlformats.org/drawingml/2006/main" xmlns:r="http://schemas.openxmlformats.org/officeDocument/2006/relationships" xmlns:p="http://schemas.openxmlformats.org/presentationml/2006/main">
+  <p:cSld>
+    <p:spTree>
+      <p:nvGrpSpPr>
+        <p:cNvPr id="1" name=""/>
+        <p:cNvGrpSpPr/>
+        <p:nvPr/>
+      </p:nvGrpSpPr>
+      <p:grpSpPr>
+        <a:xfrm>
+          <a:off x="0" y="0"/>
+          <a:ext cx="0" cy="0"/>
+          <a:chOff x="0" y="0"/>
+          <a:chExt cx="0" cy="0"/>
+        </a:xfrm>
+      </p:grpSpPr>
+      <p:sp>
+        <p:nvSpPr>
+          <p:cNvPr id="2" name="Titre 1">
+            <a:extLst>
+              <a:ext uri="{FF2B5EF4-FFF2-40B4-BE49-F238E27FC236}">
+                <a16:creationId xmlns:a16="http://schemas.microsoft.com/office/drawing/2014/main" id="{7E9498F0-F281-A151-DDCF-3829FA3356F0}"/>
+              </a:ext>
+            </a:extLst>
+          </p:cNvPr>
+          <p:cNvSpPr>
+            <a:spLocks noGrp="1"/>
+          </p:cNvSpPr>
+          <p:nvPr>
+            <p:ph type="title"/>
+          </p:nvPr>
+        </p:nvSpPr>
+        <p:spPr/>
+        <p:txBody>
+          <a:bodyPr/>
+          <a:lstStyle/>
+          <a:p>
+            <a:r>
+              <a:rPr lang="fr-FR" dirty="0"/>
+              <a:t>Conversion</a:t>
+            </a:r>
+          </a:p>
+        </p:txBody>
+      </p:sp>
+      <p:sp>
+        <p:nvSpPr>
+          <p:cNvPr id="3" name="Espace réservé du contenu 2">
+            <a:extLst>
+              <a:ext uri="{FF2B5EF4-FFF2-40B4-BE49-F238E27FC236}">
+                <a16:creationId xmlns:a16="http://schemas.microsoft.com/office/drawing/2014/main" id="{B5CE1716-0B47-ED72-6C07-F677FD4DA4FA}"/>
+              </a:ext>
+            </a:extLst>
+          </p:cNvPr>
           <p:cNvSpPr>
             <a:spLocks noGrp="1"/>
           </p:cNvSpPr>
@@ -5191,110 +5524,88 @@
         </p:nvSpPr>
         <p:spPr>
           <a:xfrm>
-            <a:off x="457200" y="1865870"/>
-            <a:ext cx="6403502" cy="3935626"/>
+            <a:off x="179513" y="1412776"/>
+            <a:ext cx="7128792" cy="5040560"/>
           </a:xfrm>
         </p:spPr>
         <p:txBody>
-          <a:bodyPr>
-            <a:normAutofit/>
-          </a:bodyPr>
+          <a:bodyPr/>
           <a:lstStyle/>
           <a:p>
-            <a:pPr>
-              <a:buFont typeface="+mj-lt"/>
-              <a:buAutoNum type="arabicPeriod"/>
-            </a:pPr>
-            <a:r>
-              <a:rPr lang="en-US" sz="2400" dirty="0"/>
-              <a:t>Use the </a:t>
-            </a:r>
-            <a:r>
-              <a:rPr lang="en-US" sz="2400" dirty="0" err="1"/>
-              <a:t>Qt</a:t>
-            </a:r>
-            <a:r>
-              <a:rPr lang="en-US" sz="2400" dirty="0"/>
-              <a:t> Designer to design the visual part of the widget (without logic).</a:t>
-            </a:r>
-            <a:br>
-              <a:rPr lang="en-US" sz="2400" dirty="0"/>
-            </a:br>
-            <a:endParaRPr lang="en-US" sz="2400" dirty="0"/>
-          </a:p>
-          <a:p>
-            <a:pPr>
-              <a:buFont typeface="+mj-lt"/>
-              <a:buAutoNum type="arabicPeriod"/>
-            </a:pPr>
-            <a:r>
-              <a:rPr lang="en-US" sz="2400" dirty="0"/>
-              <a:t>Using the </a:t>
-            </a:r>
-            <a:r>
-              <a:rPr lang="en-US" sz="2400" b="1" dirty="0"/>
-              <a:t>“pyuic5”</a:t>
-            </a:r>
-            <a:r>
-              <a:rPr lang="en-US" sz="2400" dirty="0"/>
-              <a:t> command transform the generated XML .</a:t>
-            </a:r>
-            <a:r>
-              <a:rPr lang="en-US" sz="2400" dirty="0" err="1"/>
+            <a:r>
+              <a:rPr lang="fr-FR" dirty="0"/>
+              <a:t>Il peut être utile de pouvoir convertir le .</a:t>
+            </a:r>
+            <a:r>
+              <a:rPr lang="fr-FR" dirty="0" err="1"/>
               <a:t>ui</a:t>
             </a:r>
             <a:r>
-              <a:rPr lang="en-US" sz="2400" dirty="0"/>
-              <a:t> file into python code.</a:t>
-            </a:r>
-            <a:br>
-              <a:rPr lang="en-US" sz="2400" dirty="0"/>
-            </a:br>
-            <a:endParaRPr lang="en-US" sz="2400" dirty="0"/>
-          </a:p>
-          <a:p>
-            <a:pPr>
-              <a:buFont typeface="+mj-lt"/>
-              <a:buAutoNum type="arabicPeriod"/>
-            </a:pPr>
-            <a:r>
-              <a:rPr lang="en-US" sz="2400" dirty="0"/>
-              <a:t>Extend generated code to add logic to the widget using signals and slots mechanism.</a:t>
-            </a:r>
-            <a:endParaRPr lang="en-GB" sz="2400" dirty="0"/>
-          </a:p>
-        </p:txBody>
-      </p:sp>
-      <p:sp>
-        <p:nvSpPr>
-          <p:cNvPr id="3" name="Text Placeholder 2"/>
-          <p:cNvSpPr>
-            <a:spLocks noGrp="1"/>
-          </p:cNvSpPr>
-          <p:nvPr>
-            <p:ph type="body" idx="4294967295"/>
-          </p:nvPr>
-        </p:nvSpPr>
-        <p:spPr>
-          <a:xfrm>
-            <a:off x="457200" y="1099452"/>
-            <a:ext cx="6783859" cy="339725"/>
-          </a:xfrm>
-        </p:spPr>
-        <p:txBody>
-          <a:bodyPr>
-            <a:normAutofit fontScale="70000" lnSpcReduction="20000"/>
-          </a:bodyPr>
-          <a:lstStyle/>
-          <a:p>
-            <a:pPr marL="36576" indent="0">
-              <a:buNone/>
-            </a:pPr>
-            <a:r>
-              <a:rPr lang="en-US" dirty="0"/>
-              <a:t>Designing small, reusable UI widgets</a:t>
-            </a:r>
-            <a:endParaRPr lang="en-GB" dirty="0"/>
+              <a:rPr lang="fr-FR" dirty="0"/>
+              <a:t> en .</a:t>
+            </a:r>
+            <a:r>
+              <a:rPr lang="fr-FR" dirty="0" err="1"/>
+              <a:t>py</a:t>
+            </a:r>
+            <a:endParaRPr lang="fr-FR" dirty="0"/>
+          </a:p>
+          <a:p>
+            <a:pPr lvl="1"/>
+            <a:r>
+              <a:rPr lang="fr-FR" dirty="0"/>
+              <a:t>Pour le modifier</a:t>
+            </a:r>
+          </a:p>
+          <a:p>
+            <a:pPr lvl="1"/>
+            <a:r>
+              <a:rPr lang="fr-FR" dirty="0"/>
+              <a:t>Préférer l’héritage</a:t>
+            </a:r>
+          </a:p>
+          <a:p>
+            <a:pPr lvl="1"/>
+            <a:r>
+              <a:rPr lang="fr-FR" dirty="0"/>
+              <a:t>Permet d’avoir </a:t>
+            </a:r>
+            <a:r>
+              <a:rPr lang="fr-FR" dirty="0" err="1"/>
+              <a:t>l’intellisense</a:t>
+            </a:r>
+            <a:endParaRPr lang="fr-FR" dirty="0"/>
+          </a:p>
+          <a:p>
+            <a:pPr lvl="1"/>
+            <a:r>
+              <a:rPr lang="fr-FR" dirty="0"/>
+              <a:t>Attention : non réversible</a:t>
+            </a:r>
+          </a:p>
+          <a:p>
+            <a:r>
+              <a:rPr lang="fr-FR" dirty="0"/>
+              <a:t>pyuic6 </a:t>
+            </a:r>
+            <a:r>
+              <a:rPr lang="fr-FR" dirty="0" err="1"/>
+              <a:t>mainwindow.ui</a:t>
+            </a:r>
+            <a:r>
+              <a:rPr lang="fr-FR" dirty="0"/>
+              <a:t> -o MainWindow.py</a:t>
+            </a:r>
+          </a:p>
+          <a:p>
+            <a:r>
+              <a:rPr lang="fr-FR" dirty="0"/>
+              <a:t>Python –m pyuic6 …</a:t>
+            </a:r>
+          </a:p>
+          <a:p>
+            <a:pPr lvl="1"/>
+            <a:endParaRPr lang="fr-FR" dirty="0"/>
           </a:p>
         </p:txBody>
       </p:sp>
@@ -5307,14 +5618,14 @@
           <p:nvPr/>
         </p:nvPicPr>
         <p:blipFill>
-          <a:blip r:embed="rId3"/>
+          <a:blip r:embed="rId2"/>
           <a:stretch>
             <a:fillRect/>
           </a:stretch>
         </p:blipFill>
         <p:spPr>
           <a:xfrm>
-            <a:off x="6765324" y="1600628"/>
+            <a:off x="7076947" y="2132856"/>
             <a:ext cx="2067053" cy="3502713"/>
           </a:xfrm>
           <a:prstGeom prst="rect">
@@ -5322,61 +5633,27 @@
           </a:prstGeom>
         </p:spPr>
       </p:pic>
-      <p:pic>
-        <p:nvPicPr>
-          <p:cNvPr id="2050" name="Picture 2" descr="Related image"/>
-          <p:cNvPicPr>
-            <a:picLocks noChangeAspect="1" noChangeArrowheads="1"/>
-          </p:cNvPicPr>
-          <p:nvPr/>
-        </p:nvPicPr>
-        <p:blipFill>
-          <a:blip r:embed="rId4" cstate="email">
-            <a:extLst>
-              <a:ext uri="{28A0092B-C50C-407E-A947-70E740481C1C}">
-                <a14:useLocalDpi xmlns:a14="http://schemas.microsoft.com/office/drawing/2010/main" val="0"/>
-              </a:ext>
-            </a:extLst>
-          </a:blip>
-          <a:srcRect/>
-          <a:stretch>
-            <a:fillRect/>
-          </a:stretch>
-        </p:blipFill>
-        <p:spPr bwMode="auto">
-          <a:xfrm>
-            <a:off x="8283961" y="1766371"/>
-            <a:ext cx="800186" cy="800186"/>
-          </a:xfrm>
-          <a:prstGeom prst="rect">
-            <a:avLst/>
-          </a:prstGeom>
-          <a:noFill/>
-          <a:extLst>
-            <a:ext uri="{909E8E84-426E-40DD-AFC4-6F175D3DCCD1}">
-              <a14:hiddenFill xmlns:a14="http://schemas.microsoft.com/office/drawing/2010/main">
-                <a:solidFill>
-                  <a:srgbClr val="FFFFFF"/>
-                </a:solidFill>
-              </a14:hiddenFill>
-            </a:ext>
-          </a:extLst>
-        </p:spPr>
-      </p:pic>
     </p:spTree>
     <p:extLst>
       <p:ext uri="{BB962C8B-B14F-4D97-AF65-F5344CB8AC3E}">
-        <p14:creationId xmlns:p14="http://schemas.microsoft.com/office/powerpoint/2010/main" val="3043778672"/>
+        <p14:creationId xmlns:p14="http://schemas.microsoft.com/office/powerpoint/2010/main" val="1674154275"/>
       </p:ext>
     </p:extLst>
   </p:cSld>
   <p:clrMapOvr>
     <a:masterClrMapping/>
   </p:clrMapOvr>
+  <p:timing>
+    <p:tnLst>
+      <p:par>
+        <p:cTn id="1" dur="indefinite" restart="never" nodeType="tmRoot"/>
+      </p:par>
+    </p:tnLst>
+  </p:timing>
 </p:sld>
 </file>
 
-<file path=ppt/slides/slide5.xml><?xml version="1.0" encoding="utf-8"?>
+<file path=ppt/slides/slide8.xml><?xml version="1.0" encoding="utf-8"?>
 <p:sld xmlns:a="http://schemas.openxmlformats.org/drawingml/2006/main" xmlns:r="http://schemas.openxmlformats.org/officeDocument/2006/relationships" xmlns:p="http://schemas.openxmlformats.org/presentationml/2006/main">
   <p:cSld>
     <p:spTree>
@@ -5544,7 +5821,7 @@
             <a:fld id="{B4BFD808-6B56-4447-9401-2398D08EE3C0}" type="datetime1">
               <a:rPr lang="en-US" smtClean="0"/>
               <a:pPr/>
-              <a:t>12/13/2023</a:t>
+              <a:t>6/19/2024</a:t>
             </a:fld>
             <a:endParaRPr lang="en-US" dirty="0"/>
           </a:p>
@@ -5799,7 +6076,7 @@
             <a:fld id="{17918391-D411-FE40-AAD7-861AE5233E0E}" type="slidenum">
               <a:rPr lang="en-US" smtClean="0"/>
               <a:pPr/>
-              <a:t>5</a:t>
+              <a:t>8</a:t>
             </a:fld>
             <a:endParaRPr lang="en-US" dirty="0"/>
           </a:p>
@@ -6092,10 +6369,17 @@
   <p:clrMapOvr>
     <a:masterClrMapping/>
   </p:clrMapOvr>
+  <p:timing>
+    <p:tnLst>
+      <p:par>
+        <p:cTn id="1" dur="indefinite" restart="never" nodeType="tmRoot"/>
+      </p:par>
+    </p:tnLst>
+  </p:timing>
 </p:sld>
 </file>
 
-<file path=ppt/slides/slide6.xml><?xml version="1.0" encoding="utf-8"?>
+<file path=ppt/slides/slide9.xml><?xml version="1.0" encoding="utf-8"?>
 <p:sld xmlns:a="http://schemas.openxmlformats.org/drawingml/2006/main" xmlns:r="http://schemas.openxmlformats.org/officeDocument/2006/relationships" xmlns:p="http://schemas.openxmlformats.org/presentationml/2006/main">
   <p:cSld>
     <p:spTree>
@@ -6413,7 +6697,7 @@
             <a:fld id="{B4BFD808-6B56-4447-9401-2398D08EE3C0}" type="datetime1">
               <a:rPr lang="en-US" smtClean="0"/>
               <a:pPr/>
-              <a:t>12/13/2023</a:t>
+              <a:t>6/19/2024</a:t>
             </a:fld>
             <a:endParaRPr lang="en-US" dirty="0"/>
           </a:p>
@@ -6668,7 +6952,7 @@
             <a:fld id="{17918391-D411-FE40-AAD7-861AE5233E0E}" type="slidenum">
               <a:rPr lang="en-US" smtClean="0"/>
               <a:pPr/>
-              <a:t>6</a:t>
+              <a:t>9</a:t>
             </a:fld>
             <a:endParaRPr lang="en-US" dirty="0"/>
           </a:p>
@@ -6718,403 +7002,13 @@
   <p:clrMapOvr>
     <a:masterClrMapping/>
   </p:clrMapOvr>
-</p:sld>
-</file>
-
-<file path=ppt/slides/slide7.xml><?xml version="1.0" encoding="utf-8"?>
-<p:sld xmlns:a="http://schemas.openxmlformats.org/drawingml/2006/main" xmlns:r="http://schemas.openxmlformats.org/officeDocument/2006/relationships" xmlns:p="http://schemas.openxmlformats.org/presentationml/2006/main">
-  <p:cSld>
-    <p:spTree>
-      <p:nvGrpSpPr>
-        <p:cNvPr id="1" name=""/>
-        <p:cNvGrpSpPr/>
-        <p:nvPr/>
-      </p:nvGrpSpPr>
-      <p:grpSpPr>
-        <a:xfrm>
-          <a:off x="0" y="0"/>
-          <a:ext cx="0" cy="0"/>
-          <a:chOff x="0" y="0"/>
-          <a:chExt cx="0" cy="0"/>
-        </a:xfrm>
-      </p:grpSpPr>
-      <p:sp>
-        <p:nvSpPr>
-          <p:cNvPr id="2" name="Titre 1">
-            <a:extLst>
-              <a:ext uri="{FF2B5EF4-FFF2-40B4-BE49-F238E27FC236}">
-                <a16:creationId xmlns:a16="http://schemas.microsoft.com/office/drawing/2014/main" id="{81902015-E84A-2CB3-8603-BBDCD520FF84}"/>
-              </a:ext>
-            </a:extLst>
-          </p:cNvPr>
-          <p:cNvSpPr>
-            <a:spLocks noGrp="1"/>
-          </p:cNvSpPr>
-          <p:nvPr>
-            <p:ph type="title"/>
-          </p:nvPr>
-        </p:nvSpPr>
-        <p:spPr/>
-        <p:txBody>
-          <a:bodyPr/>
-          <a:lstStyle/>
-          <a:p>
-            <a:r>
-              <a:rPr lang="fr-FR" dirty="0" err="1"/>
-              <a:t>GridLayout</a:t>
-            </a:r>
-            <a:endParaRPr lang="fr-FR" dirty="0"/>
-          </a:p>
-        </p:txBody>
-      </p:sp>
-      <p:sp>
-        <p:nvSpPr>
-          <p:cNvPr id="3" name="Espace réservé du contenu 2">
-            <a:extLst>
-              <a:ext uri="{FF2B5EF4-FFF2-40B4-BE49-F238E27FC236}">
-                <a16:creationId xmlns:a16="http://schemas.microsoft.com/office/drawing/2014/main" id="{9AB29266-E7D5-5D98-B826-5DB786DDC153}"/>
-              </a:ext>
-            </a:extLst>
-          </p:cNvPr>
-          <p:cNvSpPr>
-            <a:spLocks noGrp="1"/>
-          </p:cNvSpPr>
-          <p:nvPr>
-            <p:ph idx="1"/>
-          </p:nvPr>
-        </p:nvSpPr>
-        <p:spPr/>
-        <p:txBody>
-          <a:bodyPr/>
-          <a:lstStyle/>
-          <a:p>
-            <a:r>
-              <a:rPr lang="fr-FR" dirty="0"/>
-              <a:t>Le </a:t>
-            </a:r>
-            <a:r>
-              <a:rPr lang="fr-FR" dirty="0" err="1"/>
-              <a:t>Layout</a:t>
-            </a:r>
-            <a:r>
-              <a:rPr lang="fr-FR" dirty="0"/>
-              <a:t> en grille sont les plus pratiques</a:t>
-            </a:r>
-          </a:p>
-          <a:p>
-            <a:r>
-              <a:rPr lang="fr-FR" dirty="0"/>
-              <a:t>Utilisation de </a:t>
-            </a:r>
-            <a:r>
-              <a:rPr lang="fr-FR" dirty="0" err="1"/>
-              <a:t>QtDesigner</a:t>
-            </a:r>
-            <a:r>
-              <a:rPr lang="fr-FR" dirty="0"/>
-              <a:t> quasi-obligatoire</a:t>
-            </a:r>
-          </a:p>
-        </p:txBody>
-      </p:sp>
-    </p:spTree>
-    <p:extLst>
-      <p:ext uri="{BB962C8B-B14F-4D97-AF65-F5344CB8AC3E}">
-        <p14:creationId xmlns:p14="http://schemas.microsoft.com/office/powerpoint/2010/main" val="505671278"/>
-      </p:ext>
-    </p:extLst>
-  </p:cSld>
-  <p:clrMapOvr>
-    <a:masterClrMapping/>
-  </p:clrMapOvr>
-</p:sld>
-</file>
-
-<file path=ppt/slides/slide8.xml><?xml version="1.0" encoding="utf-8"?>
-<p:sld xmlns:a="http://schemas.openxmlformats.org/drawingml/2006/main" xmlns:r="http://schemas.openxmlformats.org/officeDocument/2006/relationships" xmlns:p="http://schemas.openxmlformats.org/presentationml/2006/main">
-  <p:cSld>
-    <p:spTree>
-      <p:nvGrpSpPr>
-        <p:cNvPr id="1" name=""/>
-        <p:cNvGrpSpPr/>
-        <p:nvPr/>
-      </p:nvGrpSpPr>
-      <p:grpSpPr>
-        <a:xfrm>
-          <a:off x="0" y="0"/>
-          <a:ext cx="0" cy="0"/>
-          <a:chOff x="0" y="0"/>
-          <a:chExt cx="0" cy="0"/>
-        </a:xfrm>
-      </p:grpSpPr>
-      <p:sp>
-        <p:nvSpPr>
-          <p:cNvPr id="2" name="Titre 1">
-            <a:extLst>
-              <a:ext uri="{FF2B5EF4-FFF2-40B4-BE49-F238E27FC236}">
-                <a16:creationId xmlns:a16="http://schemas.microsoft.com/office/drawing/2014/main" id="{30767395-6CF6-D723-826A-FDC6160E6A18}"/>
-              </a:ext>
-            </a:extLst>
-          </p:cNvPr>
-          <p:cNvSpPr>
-            <a:spLocks noGrp="1"/>
-          </p:cNvSpPr>
-          <p:nvPr>
-            <p:ph type="title"/>
-          </p:nvPr>
-        </p:nvSpPr>
-        <p:spPr/>
-        <p:txBody>
-          <a:bodyPr/>
-          <a:lstStyle/>
-          <a:p>
-            <a:r>
-              <a:rPr lang="fr-FR" dirty="0"/>
-              <a:t>Menu &amp; </a:t>
-            </a:r>
-            <a:r>
-              <a:rPr lang="fr-FR" dirty="0" err="1"/>
-              <a:t>Toolsbar</a:t>
-            </a:r>
-            <a:endParaRPr lang="fr-FR" dirty="0"/>
-          </a:p>
-        </p:txBody>
-      </p:sp>
-      <p:sp>
-        <p:nvSpPr>
-          <p:cNvPr id="3" name="Espace réservé du contenu 2">
-            <a:extLst>
-              <a:ext uri="{FF2B5EF4-FFF2-40B4-BE49-F238E27FC236}">
-                <a16:creationId xmlns:a16="http://schemas.microsoft.com/office/drawing/2014/main" id="{B3B7949A-C8D0-3E51-099F-1DE3918945E3}"/>
-              </a:ext>
-            </a:extLst>
-          </p:cNvPr>
-          <p:cNvSpPr>
-            <a:spLocks noGrp="1"/>
-          </p:cNvSpPr>
-          <p:nvPr>
-            <p:ph idx="1"/>
-          </p:nvPr>
-        </p:nvSpPr>
-        <p:spPr/>
-        <p:txBody>
-          <a:bodyPr/>
-          <a:lstStyle/>
-          <a:p>
-            <a:r>
-              <a:rPr lang="fr-FR" dirty="0"/>
-              <a:t>Widgets containers</a:t>
-            </a:r>
-          </a:p>
-          <a:p>
-            <a:r>
-              <a:rPr lang="fr-FR" dirty="0"/>
-              <a:t>S’utilise comme les autres widgets</a:t>
-            </a:r>
-          </a:p>
-        </p:txBody>
-      </p:sp>
-      <p:pic>
-        <p:nvPicPr>
-          <p:cNvPr id="5" name="Image 4">
-            <a:extLst>
-              <a:ext uri="{FF2B5EF4-FFF2-40B4-BE49-F238E27FC236}">
-                <a16:creationId xmlns:a16="http://schemas.microsoft.com/office/drawing/2014/main" id="{92629004-1301-F75C-577C-606A2865E4B7}"/>
-              </a:ext>
-            </a:extLst>
-          </p:cNvPr>
-          <p:cNvPicPr>
-            <a:picLocks noChangeAspect="1"/>
-          </p:cNvPicPr>
-          <p:nvPr/>
-        </p:nvPicPr>
-        <p:blipFill>
-          <a:blip r:embed="rId2"/>
-          <a:stretch>
-            <a:fillRect/>
-          </a:stretch>
-        </p:blipFill>
-        <p:spPr>
-          <a:xfrm>
-            <a:off x="971600" y="2780928"/>
-            <a:ext cx="6866215" cy="3375953"/>
-          </a:xfrm>
-          <a:prstGeom prst="rect">
-            <a:avLst/>
-          </a:prstGeom>
-        </p:spPr>
-      </p:pic>
-    </p:spTree>
-    <p:extLst>
-      <p:ext uri="{BB962C8B-B14F-4D97-AF65-F5344CB8AC3E}">
-        <p14:creationId xmlns:p14="http://schemas.microsoft.com/office/powerpoint/2010/main" val="2184417789"/>
-      </p:ext>
-    </p:extLst>
-  </p:cSld>
-  <p:clrMapOvr>
-    <a:masterClrMapping/>
-  </p:clrMapOvr>
-</p:sld>
-</file>
-
-<file path=ppt/slides/slide9.xml><?xml version="1.0" encoding="utf-8"?>
-<p:sld xmlns:a="http://schemas.openxmlformats.org/drawingml/2006/main" xmlns:r="http://schemas.openxmlformats.org/officeDocument/2006/relationships" xmlns:p="http://schemas.openxmlformats.org/presentationml/2006/main">
-  <p:cSld>
-    <p:spTree>
-      <p:nvGrpSpPr>
-        <p:cNvPr id="1" name=""/>
-        <p:cNvGrpSpPr/>
-        <p:nvPr/>
-      </p:nvGrpSpPr>
-      <p:grpSpPr>
-        <a:xfrm>
-          <a:off x="0" y="0"/>
-          <a:ext cx="0" cy="0"/>
-          <a:chOff x="0" y="0"/>
-          <a:chExt cx="0" cy="0"/>
-        </a:xfrm>
-      </p:grpSpPr>
-      <p:sp>
-        <p:nvSpPr>
-          <p:cNvPr id="2" name="Titre 1">
-            <a:extLst>
-              <a:ext uri="{FF2B5EF4-FFF2-40B4-BE49-F238E27FC236}">
-                <a16:creationId xmlns:a16="http://schemas.microsoft.com/office/drawing/2014/main" id="{7E9498F0-F281-A151-DDCF-3829FA3356F0}"/>
-              </a:ext>
-            </a:extLst>
-          </p:cNvPr>
-          <p:cNvSpPr>
-            <a:spLocks noGrp="1"/>
-          </p:cNvSpPr>
-          <p:nvPr>
-            <p:ph type="title"/>
-          </p:nvPr>
-        </p:nvSpPr>
-        <p:spPr/>
-        <p:txBody>
-          <a:bodyPr/>
-          <a:lstStyle/>
-          <a:p>
-            <a:r>
-              <a:rPr lang="fr-FR" dirty="0"/>
-              <a:t>Conversion</a:t>
-            </a:r>
-          </a:p>
-        </p:txBody>
-      </p:sp>
-      <p:sp>
-        <p:nvSpPr>
-          <p:cNvPr id="3" name="Espace réservé du contenu 2">
-            <a:extLst>
-              <a:ext uri="{FF2B5EF4-FFF2-40B4-BE49-F238E27FC236}">
-                <a16:creationId xmlns:a16="http://schemas.microsoft.com/office/drawing/2014/main" id="{B5CE1716-0B47-ED72-6C07-F677FD4DA4FA}"/>
-              </a:ext>
-            </a:extLst>
-          </p:cNvPr>
-          <p:cNvSpPr>
-            <a:spLocks noGrp="1"/>
-          </p:cNvSpPr>
-          <p:nvPr>
-            <p:ph idx="1"/>
-          </p:nvPr>
-        </p:nvSpPr>
-        <p:spPr/>
-        <p:txBody>
-          <a:bodyPr/>
-          <a:lstStyle/>
-          <a:p>
-            <a:r>
-              <a:rPr lang="fr-FR" dirty="0"/>
-              <a:t>Il peut être utile de pouvoir convertir le .</a:t>
-            </a:r>
-            <a:r>
-              <a:rPr lang="fr-FR" dirty="0" err="1"/>
-              <a:t>ui</a:t>
-            </a:r>
-            <a:r>
-              <a:rPr lang="fr-FR" dirty="0"/>
-              <a:t> en .</a:t>
-            </a:r>
-            <a:r>
-              <a:rPr lang="fr-FR" dirty="0" err="1"/>
-              <a:t>py</a:t>
-            </a:r>
-            <a:endParaRPr lang="fr-FR" dirty="0"/>
-          </a:p>
-          <a:p>
-            <a:pPr lvl="1"/>
-            <a:r>
-              <a:rPr lang="fr-FR" dirty="0"/>
-              <a:t>Pour le modifier</a:t>
-            </a:r>
-          </a:p>
-          <a:p>
-            <a:pPr lvl="1"/>
-            <a:r>
-              <a:rPr lang="fr-FR" dirty="0"/>
-              <a:t>Préférer l’héritage</a:t>
-            </a:r>
-          </a:p>
-          <a:p>
-            <a:pPr lvl="1"/>
-            <a:r>
-              <a:rPr lang="fr-FR" dirty="0"/>
-              <a:t>Permet d’avoir </a:t>
-            </a:r>
-            <a:r>
-              <a:rPr lang="fr-FR" dirty="0" err="1"/>
-              <a:t>l’intellisense</a:t>
-            </a:r>
-            <a:endParaRPr lang="fr-FR" dirty="0"/>
-          </a:p>
-          <a:p>
-            <a:pPr lvl="1"/>
-            <a:r>
-              <a:rPr lang="fr-FR" dirty="0"/>
-              <a:t>Attention : non réversible</a:t>
-            </a:r>
-          </a:p>
-          <a:p>
-            <a:r>
-              <a:rPr lang="fr-FR" dirty="0"/>
-              <a:t>pyuic6 </a:t>
-            </a:r>
-            <a:r>
-              <a:rPr lang="fr-FR" dirty="0" err="1"/>
-              <a:t>mainwindow.ui</a:t>
-            </a:r>
-            <a:r>
-              <a:rPr lang="fr-FR" dirty="0"/>
-              <a:t> -o MainWindow.py</a:t>
-            </a:r>
-          </a:p>
-          <a:p>
-            <a:r>
-              <a:rPr lang="fr-FR" dirty="0"/>
-              <a:t>Python –</a:t>
-            </a:r>
-            <a:r>
-              <a:rPr lang="fr-FR"/>
-              <a:t>m pyuic6 …</a:t>
-            </a:r>
-            <a:endParaRPr lang="fr-FR" dirty="0"/>
-          </a:p>
-          <a:p>
-            <a:pPr lvl="1"/>
-            <a:endParaRPr lang="fr-FR" dirty="0"/>
-          </a:p>
-        </p:txBody>
-      </p:sp>
-    </p:spTree>
-    <p:extLst>
-      <p:ext uri="{BB962C8B-B14F-4D97-AF65-F5344CB8AC3E}">
-        <p14:creationId xmlns:p14="http://schemas.microsoft.com/office/powerpoint/2010/main" val="1674154275"/>
-      </p:ext>
-    </p:extLst>
-  </p:cSld>
-  <p:clrMapOvr>
-    <a:masterClrMapping/>
-  </p:clrMapOvr>
+  <p:timing>
+    <p:tnLst>
+      <p:par>
+        <p:cTn id="1" dur="indefinite" restart="never" nodeType="tmRoot"/>
+      </p:par>
+    </p:tnLst>
+  </p:timing>
 </p:sld>
 </file>
 
